--- a/docs/apresentacao_webscript.pptx
+++ b/docs/apresentacao_webscript.pptx
@@ -10,8 +10,10 @@
     <p:sldId id="258" r:id="rId4"/>
     <p:sldId id="259" r:id="rId5"/>
     <p:sldId id="261" r:id="rId6"/>
-    <p:sldId id="260" r:id="rId7"/>
-    <p:sldId id="262" r:id="rId8"/>
+    <p:sldId id="264" r:id="rId7"/>
+    <p:sldId id="260" r:id="rId8"/>
+    <p:sldId id="262" r:id="rId9"/>
+    <p:sldId id="263" r:id="rId10"/>
   </p:sldIdLst>
   <p:sldSz cx="12192000" cy="6858000"/>
   <p:notesSz cx="6858000" cy="9144000"/>
@@ -120,11 +122,16 @@
             <p14:sldId id="258"/>
             <p14:sldId id="259"/>
             <p14:sldId id="261"/>
+            <p14:sldId id="264"/>
             <p14:sldId id="260"/>
             <p14:sldId id="262"/>
+            <p14:sldId id="263"/>
           </p14:sldIdLst>
         </p14:section>
       </p14:sectionLst>
+    </p:ext>
+    <p:ext uri="{EFAFB233-063F-42B5-8137-9DF3F51BA10A}">
+      <p15:sldGuideLst xmlns:p15="http://schemas.microsoft.com/office/powerpoint/2012/main"/>
     </p:ext>
   </p:extLst>
 </p:presentation>
@@ -8109,8 +8116,31 @@
             </a:pPr>
             <a:r>
               <a:rPr lang="pt-BR" sz="2000" dirty="0" smtClean="0"/>
-              <a:t>Definir espaçamento na atribuição;</a:t>
-            </a:r>
+              <a:t>Definir espaçamento na atribuição</a:t>
+            </a:r>
+            <a:r>
+              <a:rPr lang="pt-BR" sz="2000" dirty="0" smtClean="0"/>
+              <a:t>;</a:t>
+            </a:r>
+          </a:p>
+          <a:p>
+            <a:pPr lvl="1">
+              <a:buFont typeface="Wingdings" panose="05000000000000000000" pitchFamily="2" charset="2"/>
+              <a:buChar char="§"/>
+            </a:pPr>
+            <a:r>
+              <a:rPr lang="pt-BR" sz="2000" dirty="0" smtClean="0"/>
+              <a:t>Definição de sintaxe de declaração de </a:t>
+            </a:r>
+            <a:r>
+              <a:rPr lang="pt-BR" sz="2000" dirty="0" err="1" smtClean="0"/>
+              <a:t>string</a:t>
+            </a:r>
+            <a:r>
+              <a:rPr lang="pt-BR" sz="2000" dirty="0" smtClean="0"/>
+              <a:t>;</a:t>
+            </a:r>
+            <a:endParaRPr lang="pt-BR" sz="2000" dirty="0" smtClean="0"/>
           </a:p>
           <a:p>
             <a:pPr lvl="1">
@@ -8244,6 +8274,13 @@
   <p:clrMapOvr>
     <a:masterClrMapping/>
   </p:clrMapOvr>
+  <p:timing>
+    <p:tnLst>
+      <p:par>
+        <p:cTn id="1" dur="indefinite" restart="never" nodeType="tmRoot"/>
+      </p:par>
+    </p:tnLst>
+  </p:timing>
 </p:sld>
 </file>
 
@@ -8281,7 +8318,7 @@
           <a:p>
             <a:r>
               <a:rPr lang="pt-BR" dirty="0" smtClean="0"/>
-              <a:t>Ferramentas utilizadas</a:t>
+              <a:t>Técnicas utilizadas</a:t>
             </a:r>
             <a:endParaRPr lang="pt-BR" dirty="0"/>
           </a:p>
@@ -8302,52 +8339,27 @@
           <a:bodyPr/>
           <a:lstStyle/>
           <a:p>
-            <a:r>
-              <a:rPr lang="pt-BR" dirty="0" smtClean="0"/>
-              <a:t>ANTLR (</a:t>
-            </a:r>
-            <a:r>
-              <a:rPr lang="pt-BR" dirty="0" err="1" smtClean="0"/>
-              <a:t>Another</a:t>
-            </a:r>
-            <a:r>
-              <a:rPr lang="pt-BR" dirty="0" smtClean="0"/>
-              <a:t> Tool </a:t>
-            </a:r>
-            <a:r>
-              <a:rPr lang="pt-BR" dirty="0"/>
-              <a:t>for </a:t>
-            </a:r>
-            <a:r>
-              <a:rPr lang="pt-BR" dirty="0" err="1"/>
-              <a:t>Language</a:t>
-            </a:r>
-            <a:r>
-              <a:rPr lang="pt-BR" dirty="0"/>
-              <a:t> </a:t>
-            </a:r>
-            <a:r>
-              <a:rPr lang="pt-BR" dirty="0" err="1"/>
-              <a:t>Recognition</a:t>
-            </a:r>
-            <a:r>
-              <a:rPr lang="pt-BR" dirty="0" smtClean="0"/>
-              <a:t>)</a:t>
-            </a:r>
-            <a:endParaRPr lang="pt-BR" dirty="0"/>
+            <a:endParaRPr lang="pt-BR"/>
           </a:p>
         </p:txBody>
       </p:sp>
     </p:spTree>
     <p:extLst>
       <p:ext uri="{BB962C8B-B14F-4D97-AF65-F5344CB8AC3E}">
-        <p14:creationId xmlns:p14="http://schemas.microsoft.com/office/powerpoint/2010/main" val="2555351078"/>
+        <p14:creationId xmlns:p14="http://schemas.microsoft.com/office/powerpoint/2010/main" val="3726796171"/>
       </p:ext>
     </p:extLst>
   </p:cSld>
   <p:clrMapOvr>
     <a:masterClrMapping/>
   </p:clrMapOvr>
+  <p:timing>
+    <p:tnLst>
+      <p:par>
+        <p:cTn id="1" dur="indefinite" restart="never" nodeType="tmRoot"/>
+      </p:par>
+    </p:tnLst>
+  </p:timing>
 </p:sld>
 </file>
 
@@ -8385,7 +8397,7 @@
           <a:p>
             <a:r>
               <a:rPr lang="pt-BR" dirty="0" smtClean="0"/>
-              <a:t>Exemplos</a:t>
+              <a:t>Ferramentas utilizadas</a:t>
             </a:r>
             <a:endParaRPr lang="pt-BR" dirty="0"/>
           </a:p>
@@ -8406,7 +8418,341 @@
           <a:bodyPr/>
           <a:lstStyle/>
           <a:p>
-            <a:endParaRPr lang="pt-BR"/>
+            <a:r>
+              <a:rPr lang="pt-BR" dirty="0" smtClean="0"/>
+              <a:t>ANTLR (</a:t>
+            </a:r>
+            <a:r>
+              <a:rPr lang="pt-BR" dirty="0" err="1" smtClean="0"/>
+              <a:t>Another</a:t>
+            </a:r>
+            <a:r>
+              <a:rPr lang="pt-BR" dirty="0" smtClean="0"/>
+              <a:t> Tool </a:t>
+            </a:r>
+            <a:r>
+              <a:rPr lang="pt-BR" dirty="0"/>
+              <a:t>for </a:t>
+            </a:r>
+            <a:r>
+              <a:rPr lang="pt-BR" dirty="0" err="1"/>
+              <a:t>Language</a:t>
+            </a:r>
+            <a:r>
+              <a:rPr lang="pt-BR" dirty="0"/>
+              <a:t> </a:t>
+            </a:r>
+            <a:r>
+              <a:rPr lang="pt-BR" dirty="0" err="1"/>
+              <a:t>Recognition</a:t>
+            </a:r>
+            <a:r>
+              <a:rPr lang="pt-BR" dirty="0" smtClean="0"/>
+              <a:t>) versão 4.2.2</a:t>
+            </a:r>
+          </a:p>
+          <a:p>
+            <a:endParaRPr lang="pt-BR" dirty="0" smtClean="0">
+              <a:hlinkClick r:id="rId2"/>
+            </a:endParaRPr>
+          </a:p>
+          <a:p>
+            <a:endParaRPr lang="pt-BR" dirty="0" smtClean="0">
+              <a:hlinkClick r:id="rId2"/>
+            </a:endParaRPr>
+          </a:p>
+          <a:p>
+            <a:endParaRPr lang="pt-BR" dirty="0">
+              <a:hlinkClick r:id="rId2"/>
+            </a:endParaRPr>
+          </a:p>
+          <a:p>
+            <a:endParaRPr lang="pt-BR" dirty="0" smtClean="0">
+              <a:hlinkClick r:id="rId2"/>
+            </a:endParaRPr>
+          </a:p>
+          <a:p>
+            <a:r>
+              <a:rPr lang="pt-BR" dirty="0" smtClean="0">
+                <a:hlinkClick r:id="rId2"/>
+              </a:rPr>
+              <a:t>https</a:t>
+            </a:r>
+            <a:r>
+              <a:rPr lang="pt-BR" dirty="0">
+                <a:hlinkClick r:id="rId2"/>
+              </a:rPr>
+              <a:t>://</a:t>
+            </a:r>
+            <a:r>
+              <a:rPr lang="pt-BR" dirty="0" smtClean="0">
+                <a:hlinkClick r:id="rId2"/>
+              </a:rPr>
+              <a:t>bitbucket.org</a:t>
+            </a:r>
+            <a:endParaRPr lang="pt-BR" dirty="0" smtClean="0"/>
+          </a:p>
+          <a:p>
+            <a:endParaRPr lang="pt-BR" dirty="0"/>
+          </a:p>
+        </p:txBody>
+      </p:sp>
+      <p:pic>
+        <p:nvPicPr>
+          <p:cNvPr id="4" name="Imagem 3"/>
+          <p:cNvPicPr>
+            <a:picLocks noChangeAspect="1"/>
+          </p:cNvPicPr>
+          <p:nvPr/>
+        </p:nvPicPr>
+        <p:blipFill>
+          <a:blip r:embed="rId3">
+            <a:extLst>
+              <a:ext uri="{28A0092B-C50C-407E-A947-70E740481C1C}">
+                <a14:useLocalDpi xmlns:a14="http://schemas.microsoft.com/office/drawing/2010/main" val="0"/>
+              </a:ext>
+            </a:extLst>
+          </a:blip>
+          <a:stretch>
+            <a:fillRect/>
+          </a:stretch>
+        </p:blipFill>
+        <p:spPr>
+          <a:xfrm>
+            <a:off x="339773" y="1905000"/>
+            <a:ext cx="2095500" cy="762000"/>
+          </a:xfrm>
+          <a:prstGeom prst="rect">
+            <a:avLst/>
+          </a:prstGeom>
+        </p:spPr>
+      </p:pic>
+      <p:pic>
+        <p:nvPicPr>
+          <p:cNvPr id="5" name="Imagem 4"/>
+          <p:cNvPicPr>
+            <a:picLocks noChangeAspect="1"/>
+          </p:cNvPicPr>
+          <p:nvPr/>
+        </p:nvPicPr>
+        <p:blipFill>
+          <a:blip r:embed="rId4" cstate="print">
+            <a:extLst>
+              <a:ext uri="{28A0092B-C50C-407E-A947-70E740481C1C}">
+                <a14:useLocalDpi xmlns:a14="http://schemas.microsoft.com/office/drawing/2010/main" val="0"/>
+              </a:ext>
+            </a:extLst>
+          </a:blip>
+          <a:stretch>
+            <a:fillRect/>
+          </a:stretch>
+        </p:blipFill>
+        <p:spPr>
+          <a:xfrm>
+            <a:off x="339773" y="3896719"/>
+            <a:ext cx="2095500" cy="940653"/>
+          </a:xfrm>
+          <a:prstGeom prst="rect">
+            <a:avLst/>
+          </a:prstGeom>
+        </p:spPr>
+      </p:pic>
+    </p:spTree>
+    <p:extLst>
+      <p:ext uri="{BB962C8B-B14F-4D97-AF65-F5344CB8AC3E}">
+        <p14:creationId xmlns:p14="http://schemas.microsoft.com/office/powerpoint/2010/main" val="2555351078"/>
+      </p:ext>
+    </p:extLst>
+  </p:cSld>
+  <p:clrMapOvr>
+    <a:masterClrMapping/>
+  </p:clrMapOvr>
+  <p:timing>
+    <p:tnLst>
+      <p:par>
+        <p:cTn id="1" dur="indefinite" restart="never" nodeType="tmRoot"/>
+      </p:par>
+    </p:tnLst>
+  </p:timing>
+</p:sld>
+</file>
+
+<file path=ppt/slides/slide8.xml><?xml version="1.0" encoding="utf-8"?>
+<p:sld xmlns:a="http://schemas.openxmlformats.org/drawingml/2006/main" xmlns:r="http://schemas.openxmlformats.org/officeDocument/2006/relationships" xmlns:p="http://schemas.openxmlformats.org/presentationml/2006/main">
+  <p:cSld>
+    <p:spTree>
+      <p:nvGrpSpPr>
+        <p:cNvPr id="1" name=""/>
+        <p:cNvGrpSpPr/>
+        <p:nvPr/>
+      </p:nvGrpSpPr>
+      <p:grpSpPr>
+        <a:xfrm>
+          <a:off x="0" y="0"/>
+          <a:ext cx="0" cy="0"/>
+          <a:chOff x="0" y="0"/>
+          <a:chExt cx="0" cy="0"/>
+        </a:xfrm>
+      </p:grpSpPr>
+      <p:sp>
+        <p:nvSpPr>
+          <p:cNvPr id="2" name="Título 1"/>
+          <p:cNvSpPr>
+            <a:spLocks noGrp="1"/>
+          </p:cNvSpPr>
+          <p:nvPr>
+            <p:ph type="title"/>
+          </p:nvPr>
+        </p:nvSpPr>
+        <p:spPr/>
+        <p:txBody>
+          <a:bodyPr/>
+          <a:lstStyle/>
+          <a:p>
+            <a:r>
+              <a:rPr lang="pt-BR" dirty="0" smtClean="0"/>
+              <a:t>Exemplos</a:t>
+            </a:r>
+            <a:endParaRPr lang="pt-BR" dirty="0"/>
+          </a:p>
+        </p:txBody>
+      </p:sp>
+      <p:pic>
+        <p:nvPicPr>
+          <p:cNvPr id="4" name="Espaço Reservado para Conteúdo 3"/>
+          <p:cNvPicPr>
+            <a:picLocks noGrp="1" noChangeAspect="1"/>
+          </p:cNvPicPr>
+          <p:nvPr>
+            <p:ph idx="1"/>
+          </p:nvPr>
+        </p:nvPicPr>
+        <p:blipFill>
+          <a:blip r:embed="rId2">
+            <a:extLst>
+              <a:ext uri="{28A0092B-C50C-407E-A947-70E740481C1C}">
+                <a14:useLocalDpi xmlns:a14="http://schemas.microsoft.com/office/drawing/2010/main" val="0"/>
+              </a:ext>
+            </a:extLst>
+          </a:blip>
+          <a:stretch>
+            <a:fillRect/>
+          </a:stretch>
+        </p:blipFill>
+        <p:spPr>
+          <a:xfrm>
+            <a:off x="1235986" y="1905000"/>
+            <a:ext cx="10268626" cy="1276928"/>
+          </a:xfrm>
+        </p:spPr>
+      </p:pic>
+      <p:pic>
+        <p:nvPicPr>
+          <p:cNvPr id="5" name="Imagem 4"/>
+          <p:cNvPicPr>
+            <a:picLocks noChangeAspect="1"/>
+          </p:cNvPicPr>
+          <p:nvPr/>
+        </p:nvPicPr>
+        <p:blipFill>
+          <a:blip r:embed="rId3">
+            <a:extLst>
+              <a:ext uri="{28A0092B-C50C-407E-A947-70E740481C1C}">
+                <a14:useLocalDpi xmlns:a14="http://schemas.microsoft.com/office/drawing/2010/main" val="0"/>
+              </a:ext>
+            </a:extLst>
+          </a:blip>
+          <a:stretch>
+            <a:fillRect/>
+          </a:stretch>
+        </p:blipFill>
+        <p:spPr>
+          <a:xfrm>
+            <a:off x="1237412" y="4043544"/>
+            <a:ext cx="10267200" cy="1179009"/>
+          </a:xfrm>
+          <a:prstGeom prst="rect">
+            <a:avLst/>
+          </a:prstGeom>
+        </p:spPr>
+      </p:pic>
+      <p:sp>
+        <p:nvSpPr>
+          <p:cNvPr id="6" name="CaixaDeTexto 5"/>
+          <p:cNvSpPr txBox="1"/>
+          <p:nvPr/>
+        </p:nvSpPr>
+        <p:spPr>
+          <a:xfrm>
+            <a:off x="1235986" y="1535668"/>
+            <a:ext cx="5990077" cy="369332"/>
+          </a:xfrm>
+          <a:prstGeom prst="rect">
+            <a:avLst/>
+          </a:prstGeom>
+          <a:noFill/>
+        </p:spPr>
+        <p:txBody>
+          <a:bodyPr wrap="square" rtlCol="0">
+            <a:spAutoFit/>
+          </a:bodyPr>
+          <a:lstStyle/>
+          <a:p>
+            <a:r>
+              <a:rPr lang="pt-BR" b="1" dirty="0"/>
+              <a:t>Exemplo 1 - Código em </a:t>
+            </a:r>
+            <a:r>
+              <a:rPr lang="pt-BR" b="1" dirty="0" err="1"/>
+              <a:t>JavaScript</a:t>
+            </a:r>
+            <a:r>
+              <a:rPr lang="pt-BR" b="1" dirty="0"/>
+              <a:t> não formatado</a:t>
+            </a:r>
+            <a:endParaRPr lang="pt-BR" dirty="0"/>
+          </a:p>
+        </p:txBody>
+      </p:sp>
+      <p:sp>
+        <p:nvSpPr>
+          <p:cNvPr id="7" name="CaixaDeTexto 6"/>
+          <p:cNvSpPr txBox="1"/>
+          <p:nvPr/>
+        </p:nvSpPr>
+        <p:spPr>
+          <a:xfrm>
+            <a:off x="1235986" y="3551260"/>
+            <a:ext cx="5990077" cy="369332"/>
+          </a:xfrm>
+          <a:prstGeom prst="rect">
+            <a:avLst/>
+          </a:prstGeom>
+          <a:noFill/>
+        </p:spPr>
+        <p:txBody>
+          <a:bodyPr wrap="square" rtlCol="0">
+            <a:spAutoFit/>
+          </a:bodyPr>
+          <a:lstStyle/>
+          <a:p>
+            <a:r>
+              <a:rPr lang="pt-BR" b="1" dirty="0"/>
+              <a:t>Exemplo 1 - Código em </a:t>
+            </a:r>
+            <a:r>
+              <a:rPr lang="pt-BR" b="1" dirty="0" err="1"/>
+              <a:t>JavaScript</a:t>
+            </a:r>
+            <a:r>
+              <a:rPr lang="pt-BR" b="1" dirty="0"/>
+              <a:t> </a:t>
+            </a:r>
+            <a:r>
+              <a:rPr lang="pt-BR" b="1" dirty="0" smtClean="0"/>
+              <a:t>formatado</a:t>
+            </a:r>
+            <a:endParaRPr lang="pt-BR" dirty="0"/>
           </a:p>
         </p:txBody>
       </p:sp>
@@ -8420,6 +8766,229 @@
   <p:clrMapOvr>
     <a:masterClrMapping/>
   </p:clrMapOvr>
+  <p:timing>
+    <p:tnLst>
+      <p:par>
+        <p:cTn id="1" dur="indefinite" restart="never" nodeType="tmRoot"/>
+      </p:par>
+    </p:tnLst>
+  </p:timing>
+</p:sld>
+</file>
+
+<file path=ppt/slides/slide9.xml><?xml version="1.0" encoding="utf-8"?>
+<p:sld xmlns:a="http://schemas.openxmlformats.org/drawingml/2006/main" xmlns:r="http://schemas.openxmlformats.org/officeDocument/2006/relationships" xmlns:p="http://schemas.openxmlformats.org/presentationml/2006/main">
+  <p:cSld>
+    <p:spTree>
+      <p:nvGrpSpPr>
+        <p:cNvPr id="1" name=""/>
+        <p:cNvGrpSpPr/>
+        <p:nvPr/>
+      </p:nvGrpSpPr>
+      <p:grpSpPr>
+        <a:xfrm>
+          <a:off x="0" y="0"/>
+          <a:ext cx="0" cy="0"/>
+          <a:chOff x="0" y="0"/>
+          <a:chExt cx="0" cy="0"/>
+        </a:xfrm>
+      </p:grpSpPr>
+      <p:sp>
+        <p:nvSpPr>
+          <p:cNvPr id="2" name="Título 1"/>
+          <p:cNvSpPr>
+            <a:spLocks noGrp="1"/>
+          </p:cNvSpPr>
+          <p:nvPr>
+            <p:ph type="title"/>
+          </p:nvPr>
+        </p:nvSpPr>
+        <p:spPr/>
+        <p:txBody>
+          <a:bodyPr/>
+          <a:lstStyle/>
+          <a:p>
+            <a:r>
+              <a:rPr lang="pt-BR" dirty="0" smtClean="0"/>
+              <a:t>Exemplos</a:t>
+            </a:r>
+            <a:endParaRPr lang="pt-BR" dirty="0"/>
+          </a:p>
+        </p:txBody>
+      </p:sp>
+      <p:sp>
+        <p:nvSpPr>
+          <p:cNvPr id="6" name="CaixaDeTexto 5"/>
+          <p:cNvSpPr txBox="1"/>
+          <p:nvPr/>
+        </p:nvSpPr>
+        <p:spPr>
+          <a:xfrm>
+            <a:off x="124639" y="1240246"/>
+            <a:ext cx="5990077" cy="369332"/>
+          </a:xfrm>
+          <a:prstGeom prst="rect">
+            <a:avLst/>
+          </a:prstGeom>
+          <a:noFill/>
+        </p:spPr>
+        <p:txBody>
+          <a:bodyPr wrap="square" rtlCol="0">
+            <a:spAutoFit/>
+          </a:bodyPr>
+          <a:lstStyle/>
+          <a:p>
+            <a:r>
+              <a:rPr lang="pt-BR" b="1" dirty="0"/>
+              <a:t>Exemplo </a:t>
+            </a:r>
+            <a:r>
+              <a:rPr lang="pt-BR" b="1" dirty="0" smtClean="0"/>
+              <a:t>2 </a:t>
+            </a:r>
+            <a:r>
+              <a:rPr lang="pt-BR" b="1" dirty="0"/>
+              <a:t>- Código em </a:t>
+            </a:r>
+            <a:r>
+              <a:rPr lang="pt-BR" b="1" dirty="0" err="1"/>
+              <a:t>JavaScript</a:t>
+            </a:r>
+            <a:r>
+              <a:rPr lang="pt-BR" b="1" dirty="0"/>
+              <a:t> não formatado</a:t>
+            </a:r>
+            <a:endParaRPr lang="pt-BR" dirty="0"/>
+          </a:p>
+        </p:txBody>
+      </p:sp>
+      <p:sp>
+        <p:nvSpPr>
+          <p:cNvPr id="7" name="CaixaDeTexto 6"/>
+          <p:cNvSpPr txBox="1"/>
+          <p:nvPr/>
+        </p:nvSpPr>
+        <p:spPr>
+          <a:xfrm>
+            <a:off x="6778657" y="1240246"/>
+            <a:ext cx="5990077" cy="369332"/>
+          </a:xfrm>
+          <a:prstGeom prst="rect">
+            <a:avLst/>
+          </a:prstGeom>
+          <a:noFill/>
+        </p:spPr>
+        <p:txBody>
+          <a:bodyPr wrap="square" rtlCol="0">
+            <a:spAutoFit/>
+          </a:bodyPr>
+          <a:lstStyle/>
+          <a:p>
+            <a:r>
+              <a:rPr lang="pt-BR" b="1" dirty="0"/>
+              <a:t>Exemplo </a:t>
+            </a:r>
+            <a:r>
+              <a:rPr lang="pt-BR" b="1" dirty="0" smtClean="0"/>
+              <a:t>2 </a:t>
+            </a:r>
+            <a:r>
+              <a:rPr lang="pt-BR" b="1" dirty="0"/>
+              <a:t>- Código em </a:t>
+            </a:r>
+            <a:r>
+              <a:rPr lang="pt-BR" b="1" dirty="0" err="1"/>
+              <a:t>JavaScript</a:t>
+            </a:r>
+            <a:r>
+              <a:rPr lang="pt-BR" b="1" dirty="0"/>
+              <a:t> </a:t>
+            </a:r>
+            <a:r>
+              <a:rPr lang="pt-BR" b="1" dirty="0" smtClean="0"/>
+              <a:t>formatado</a:t>
+            </a:r>
+            <a:endParaRPr lang="pt-BR" dirty="0"/>
+          </a:p>
+        </p:txBody>
+      </p:sp>
+      <p:pic>
+        <p:nvPicPr>
+          <p:cNvPr id="8" name="Imagem 7"/>
+          <p:cNvPicPr>
+            <a:picLocks noChangeAspect="1"/>
+          </p:cNvPicPr>
+          <p:nvPr/>
+        </p:nvPicPr>
+        <p:blipFill>
+          <a:blip r:embed="rId2">
+            <a:extLst>
+              <a:ext uri="{28A0092B-C50C-407E-A947-70E740481C1C}">
+                <a14:useLocalDpi xmlns:a14="http://schemas.microsoft.com/office/drawing/2010/main" val="0"/>
+              </a:ext>
+            </a:extLst>
+          </a:blip>
+          <a:stretch>
+            <a:fillRect/>
+          </a:stretch>
+        </p:blipFill>
+        <p:spPr>
+          <a:xfrm>
+            <a:off x="0" y="1693596"/>
+            <a:ext cx="6178465" cy="4868651"/>
+          </a:xfrm>
+          <a:prstGeom prst="rect">
+            <a:avLst/>
+          </a:prstGeom>
+        </p:spPr>
+      </p:pic>
+      <p:pic>
+        <p:nvPicPr>
+          <p:cNvPr id="9" name="Imagem 8"/>
+          <p:cNvPicPr>
+            <a:picLocks noChangeAspect="1"/>
+          </p:cNvPicPr>
+          <p:nvPr/>
+        </p:nvPicPr>
+        <p:blipFill>
+          <a:blip r:embed="rId3">
+            <a:extLst>
+              <a:ext uri="{28A0092B-C50C-407E-A947-70E740481C1C}">
+                <a14:useLocalDpi xmlns:a14="http://schemas.microsoft.com/office/drawing/2010/main" val="0"/>
+              </a:ext>
+            </a:extLst>
+          </a:blip>
+          <a:stretch>
+            <a:fillRect/>
+          </a:stretch>
+        </p:blipFill>
+        <p:spPr>
+          <a:xfrm>
+            <a:off x="6178465" y="1693596"/>
+            <a:ext cx="6046969" cy="4868651"/>
+          </a:xfrm>
+          <a:prstGeom prst="rect">
+            <a:avLst/>
+          </a:prstGeom>
+        </p:spPr>
+      </p:pic>
+    </p:spTree>
+    <p:extLst>
+      <p:ext uri="{BB962C8B-B14F-4D97-AF65-F5344CB8AC3E}">
+        <p14:creationId xmlns:p14="http://schemas.microsoft.com/office/powerpoint/2010/main" val="3432328414"/>
+      </p:ext>
+    </p:extLst>
+  </p:cSld>
+  <p:clrMapOvr>
+    <a:masterClrMapping/>
+  </p:clrMapOvr>
+  <p:timing>
+    <p:tnLst>
+      <p:par>
+        <p:cTn id="1" dur="indefinite" restart="never" nodeType="tmRoot"/>
+      </p:par>
+    </p:tnLst>
+  </p:timing>
 </p:sld>
 </file>
 

--- a/docs/apresentacao_webscript.pptx
+++ b/docs/apresentacao_webscript.pptx
@@ -9,9 +9,9 @@
     <p:sldId id="257" r:id="rId3"/>
     <p:sldId id="258" r:id="rId4"/>
     <p:sldId id="259" r:id="rId5"/>
-    <p:sldId id="261" r:id="rId6"/>
-    <p:sldId id="264" r:id="rId7"/>
-    <p:sldId id="260" r:id="rId8"/>
+    <p:sldId id="260" r:id="rId6"/>
+    <p:sldId id="261" r:id="rId7"/>
+    <p:sldId id="264" r:id="rId8"/>
     <p:sldId id="262" r:id="rId9"/>
     <p:sldId id="263" r:id="rId10"/>
   </p:sldIdLst>
@@ -121,9 +121,9 @@
             <p14:sldId id="257"/>
             <p14:sldId id="258"/>
             <p14:sldId id="259"/>
+            <p14:sldId id="260"/>
             <p14:sldId id="261"/>
             <p14:sldId id="264"/>
-            <p14:sldId id="260"/>
             <p14:sldId id="262"/>
             <p14:sldId id="263"/>
           </p14:sldIdLst>
@@ -325,7 +325,7 @@
           <a:p>
             <a:fld id="{EEC3B546-7FA4-4ED0-A838-D80009A210AC}" type="datetimeFigureOut">
               <a:rPr lang="pt-BR" smtClean="0"/>
-              <a:t>07/06/2014</a:t>
+              <a:t>12/06/2014</a:t>
             </a:fld>
             <a:endParaRPr lang="pt-BR"/>
           </a:p>
@@ -663,7 +663,7 @@
           <a:p>
             <a:fld id="{EEC3B546-7FA4-4ED0-A838-D80009A210AC}" type="datetimeFigureOut">
               <a:rPr lang="pt-BR" smtClean="0"/>
-              <a:t>07/06/2014</a:t>
+              <a:t>12/06/2014</a:t>
             </a:fld>
             <a:endParaRPr lang="pt-BR"/>
           </a:p>
@@ -1064,7 +1064,7 @@
           <a:p>
             <a:fld id="{EEC3B546-7FA4-4ED0-A838-D80009A210AC}" type="datetimeFigureOut">
               <a:rPr lang="pt-BR" smtClean="0"/>
-              <a:t>07/06/2014</a:t>
+              <a:t>12/06/2014</a:t>
             </a:fld>
             <a:endParaRPr lang="pt-BR"/>
           </a:p>
@@ -1400,7 +1400,7 @@
           <a:p>
             <a:fld id="{EEC3B546-7FA4-4ED0-A838-D80009A210AC}" type="datetimeFigureOut">
               <a:rPr lang="pt-BR" smtClean="0"/>
-              <a:t>07/06/2014</a:t>
+              <a:t>12/06/2014</a:t>
             </a:fld>
             <a:endParaRPr lang="pt-BR"/>
           </a:p>
@@ -1720,7 +1720,7 @@
           <a:p>
             <a:fld id="{EEC3B546-7FA4-4ED0-A838-D80009A210AC}" type="datetimeFigureOut">
               <a:rPr lang="pt-BR" smtClean="0"/>
-              <a:t>07/06/2014</a:t>
+              <a:t>12/06/2014</a:t>
             </a:fld>
             <a:endParaRPr lang="pt-BR"/>
           </a:p>
@@ -2116,7 +2116,7 @@
           <a:p>
             <a:fld id="{EEC3B546-7FA4-4ED0-A838-D80009A210AC}" type="datetimeFigureOut">
               <a:rPr lang="pt-BR" smtClean="0"/>
-              <a:t>07/06/2014</a:t>
+              <a:t>12/06/2014</a:t>
             </a:fld>
             <a:endParaRPr lang="pt-BR"/>
           </a:p>
@@ -2373,7 +2373,7 @@
           <a:p>
             <a:fld id="{EEC3B546-7FA4-4ED0-A838-D80009A210AC}" type="datetimeFigureOut">
               <a:rPr lang="pt-BR" smtClean="0"/>
-              <a:t>07/06/2014</a:t>
+              <a:t>12/06/2014</a:t>
             </a:fld>
             <a:endParaRPr lang="pt-BR"/>
           </a:p>
@@ -2635,7 +2635,7 @@
           <a:p>
             <a:fld id="{EEC3B546-7FA4-4ED0-A838-D80009A210AC}" type="datetimeFigureOut">
               <a:rPr lang="pt-BR" smtClean="0"/>
-              <a:t>07/06/2014</a:t>
+              <a:t>12/06/2014</a:t>
             </a:fld>
             <a:endParaRPr lang="pt-BR"/>
           </a:p>
@@ -2897,7 +2897,7 @@
           <a:p>
             <a:fld id="{EEC3B546-7FA4-4ED0-A838-D80009A210AC}" type="datetimeFigureOut">
               <a:rPr lang="pt-BR" smtClean="0"/>
-              <a:t>07/06/2014</a:t>
+              <a:t>12/06/2014</a:t>
             </a:fld>
             <a:endParaRPr lang="pt-BR"/>
           </a:p>
@@ -3226,7 +3226,7 @@
           <a:p>
             <a:fld id="{EEC3B546-7FA4-4ED0-A838-D80009A210AC}" type="datetimeFigureOut">
               <a:rPr lang="pt-BR" smtClean="0"/>
-              <a:t>07/06/2014</a:t>
+              <a:t>12/06/2014</a:t>
             </a:fld>
             <a:endParaRPr lang="pt-BR"/>
           </a:p>
@@ -3549,7 +3549,7 @@
           <a:p>
             <a:fld id="{EEC3B546-7FA4-4ED0-A838-D80009A210AC}" type="datetimeFigureOut">
               <a:rPr lang="pt-BR" smtClean="0"/>
-              <a:t>07/06/2014</a:t>
+              <a:t>12/06/2014</a:t>
             </a:fld>
             <a:endParaRPr lang="pt-BR"/>
           </a:p>
@@ -4006,7 +4006,7 @@
           <a:p>
             <a:fld id="{EEC3B546-7FA4-4ED0-A838-D80009A210AC}" type="datetimeFigureOut">
               <a:rPr lang="pt-BR" smtClean="0"/>
-              <a:t>07/06/2014</a:t>
+              <a:t>12/06/2014</a:t>
             </a:fld>
             <a:endParaRPr lang="pt-BR"/>
           </a:p>
@@ -4211,7 +4211,7 @@
           <a:p>
             <a:fld id="{EEC3B546-7FA4-4ED0-A838-D80009A210AC}" type="datetimeFigureOut">
               <a:rPr lang="pt-BR" smtClean="0"/>
-              <a:t>07/06/2014</a:t>
+              <a:t>12/06/2014</a:t>
             </a:fld>
             <a:endParaRPr lang="pt-BR"/>
           </a:p>
@@ -4388,7 +4388,7 @@
           <a:p>
             <a:fld id="{EEC3B546-7FA4-4ED0-A838-D80009A210AC}" type="datetimeFigureOut">
               <a:rPr lang="pt-BR" smtClean="0"/>
-              <a:t>07/06/2014</a:t>
+              <a:t>12/06/2014</a:t>
             </a:fld>
             <a:endParaRPr lang="pt-BR"/>
           </a:p>
@@ -4721,7 +4721,7 @@
           <a:p>
             <a:fld id="{EEC3B546-7FA4-4ED0-A838-D80009A210AC}" type="datetimeFigureOut">
               <a:rPr lang="pt-BR" smtClean="0"/>
-              <a:t>07/06/2014</a:t>
+              <a:t>12/06/2014</a:t>
             </a:fld>
             <a:endParaRPr lang="pt-BR"/>
           </a:p>
@@ -5066,7 +5066,7 @@
           <a:p>
             <a:fld id="{EEC3B546-7FA4-4ED0-A838-D80009A210AC}" type="datetimeFigureOut">
               <a:rPr lang="pt-BR" smtClean="0"/>
-              <a:t>07/06/2014</a:t>
+              <a:t>12/06/2014</a:t>
             </a:fld>
             <a:endParaRPr lang="pt-BR"/>
           </a:p>
@@ -7183,7 +7183,7 @@
           <a:p>
             <a:fld id="{EEC3B546-7FA4-4ED0-A838-D80009A210AC}" type="datetimeFigureOut">
               <a:rPr lang="pt-BR" smtClean="0"/>
-              <a:t>07/06/2014</a:t>
+              <a:t>12/06/2014</a:t>
             </a:fld>
             <a:endParaRPr lang="pt-BR"/>
           </a:p>
@@ -7872,14 +7872,23 @@
           </a:p>
           <a:p>
             <a:r>
+              <a:rPr lang="pt-BR" sz="2800" dirty="0"/>
+              <a:t>Ferramentas </a:t>
+            </a:r>
+            <a:r>
               <a:rPr lang="pt-BR" sz="2800" dirty="0" smtClean="0"/>
-              <a:t>Técnicas utilizadas</a:t>
-            </a:r>
+              <a:t>utilizadas</a:t>
+            </a:r>
+            <a:endParaRPr lang="pt-BR" sz="2800" dirty="0" smtClean="0"/>
           </a:p>
           <a:p>
             <a:r>
               <a:rPr lang="pt-BR" sz="2800" dirty="0" smtClean="0"/>
-              <a:t>Ferramentas utilizadas</a:t>
+              <a:t>Técnicas </a:t>
+            </a:r>
+            <a:r>
+              <a:rPr lang="pt-BR" sz="2800" dirty="0" smtClean="0"/>
+              <a:t>utilizadas</a:t>
             </a:r>
           </a:p>
           <a:p>
@@ -7887,6 +7896,7 @@
               <a:rPr lang="pt-BR" sz="2800" dirty="0" smtClean="0"/>
               <a:t>Exemplos </a:t>
             </a:r>
+            <a:endParaRPr lang="pt-BR" sz="2800" dirty="0" smtClean="0"/>
           </a:p>
         </p:txBody>
       </p:sp>
@@ -8003,7 +8013,15 @@
           <a:p>
             <a:r>
               <a:rPr lang="pt-BR" sz="2400" dirty="0" smtClean="0"/>
-              <a:t>Vamos apresentar neste trabalho uma uniformização de um subconjunto da linguagem </a:t>
+              <a:t>Vamos apresentar neste trabalho uma uniformização de um </a:t>
+            </a:r>
+            <a:r>
+              <a:rPr lang="pt-BR" sz="2400" b="1" dirty="0" smtClean="0"/>
+              <a:t>subconjunto</a:t>
+            </a:r>
+            <a:r>
+              <a:rPr lang="pt-BR" sz="2400" dirty="0" smtClean="0"/>
+              <a:t> da linguagem </a:t>
             </a:r>
             <a:r>
               <a:rPr lang="pt-BR" sz="2400" dirty="0" err="1" smtClean="0"/>
@@ -8116,11 +8134,7 @@
             </a:pPr>
             <a:r>
               <a:rPr lang="pt-BR" sz="2000" dirty="0" smtClean="0"/>
-              <a:t>Definir espaçamento na atribuição</a:t>
-            </a:r>
-            <a:r>
-              <a:rPr lang="pt-BR" sz="2000" dirty="0" smtClean="0"/>
-              <a:t>;</a:t>
+              <a:t>Definir espaçamento na atribuição;</a:t>
             </a:r>
           </a:p>
           <a:p>
@@ -8140,7 +8154,6 @@
               <a:rPr lang="pt-BR" sz="2000" dirty="0" smtClean="0"/>
               <a:t>;</a:t>
             </a:r>
-            <a:endParaRPr lang="pt-BR" sz="2000" dirty="0" smtClean="0"/>
           </a:p>
           <a:p>
             <a:pPr lvl="1">
@@ -8206,164 +8219,6 @@
 </file>
 
 <file path=ppt/slides/slide5.xml><?xml version="1.0" encoding="utf-8"?>
-<p:sld xmlns:a="http://schemas.openxmlformats.org/drawingml/2006/main" xmlns:r="http://schemas.openxmlformats.org/officeDocument/2006/relationships" xmlns:p="http://schemas.openxmlformats.org/presentationml/2006/main">
-  <p:cSld>
-    <p:spTree>
-      <p:nvGrpSpPr>
-        <p:cNvPr id="1" name=""/>
-        <p:cNvGrpSpPr/>
-        <p:nvPr/>
-      </p:nvGrpSpPr>
-      <p:grpSpPr>
-        <a:xfrm>
-          <a:off x="0" y="0"/>
-          <a:ext cx="0" cy="0"/>
-          <a:chOff x="0" y="0"/>
-          <a:chExt cx="0" cy="0"/>
-        </a:xfrm>
-      </p:grpSpPr>
-      <p:sp>
-        <p:nvSpPr>
-          <p:cNvPr id="2" name="Título 1"/>
-          <p:cNvSpPr>
-            <a:spLocks noGrp="1"/>
-          </p:cNvSpPr>
-          <p:nvPr>
-            <p:ph type="title"/>
-          </p:nvPr>
-        </p:nvSpPr>
-        <p:spPr/>
-        <p:txBody>
-          <a:bodyPr/>
-          <a:lstStyle/>
-          <a:p>
-            <a:r>
-              <a:rPr lang="pt-BR" dirty="0" smtClean="0"/>
-              <a:t>Técnicas utilizadas</a:t>
-            </a:r>
-            <a:endParaRPr lang="pt-BR" dirty="0"/>
-          </a:p>
-        </p:txBody>
-      </p:sp>
-      <p:sp>
-        <p:nvSpPr>
-          <p:cNvPr id="3" name="Espaço Reservado para Conteúdo 2"/>
-          <p:cNvSpPr>
-            <a:spLocks noGrp="1"/>
-          </p:cNvSpPr>
-          <p:nvPr>
-            <p:ph idx="1"/>
-          </p:nvPr>
-        </p:nvSpPr>
-        <p:spPr/>
-        <p:txBody>
-          <a:bodyPr/>
-          <a:lstStyle/>
-          <a:p>
-            <a:endParaRPr lang="pt-BR"/>
-          </a:p>
-        </p:txBody>
-      </p:sp>
-    </p:spTree>
-    <p:extLst>
-      <p:ext uri="{BB962C8B-B14F-4D97-AF65-F5344CB8AC3E}">
-        <p14:creationId xmlns:p14="http://schemas.microsoft.com/office/powerpoint/2010/main" val="1221232612"/>
-      </p:ext>
-    </p:extLst>
-  </p:cSld>
-  <p:clrMapOvr>
-    <a:masterClrMapping/>
-  </p:clrMapOvr>
-  <p:timing>
-    <p:tnLst>
-      <p:par>
-        <p:cTn id="1" dur="indefinite" restart="never" nodeType="tmRoot"/>
-      </p:par>
-    </p:tnLst>
-  </p:timing>
-</p:sld>
-</file>
-
-<file path=ppt/slides/slide6.xml><?xml version="1.0" encoding="utf-8"?>
-<p:sld xmlns:a="http://schemas.openxmlformats.org/drawingml/2006/main" xmlns:r="http://schemas.openxmlformats.org/officeDocument/2006/relationships" xmlns:p="http://schemas.openxmlformats.org/presentationml/2006/main">
-  <p:cSld>
-    <p:spTree>
-      <p:nvGrpSpPr>
-        <p:cNvPr id="1" name=""/>
-        <p:cNvGrpSpPr/>
-        <p:nvPr/>
-      </p:nvGrpSpPr>
-      <p:grpSpPr>
-        <a:xfrm>
-          <a:off x="0" y="0"/>
-          <a:ext cx="0" cy="0"/>
-          <a:chOff x="0" y="0"/>
-          <a:chExt cx="0" cy="0"/>
-        </a:xfrm>
-      </p:grpSpPr>
-      <p:sp>
-        <p:nvSpPr>
-          <p:cNvPr id="2" name="Título 1"/>
-          <p:cNvSpPr>
-            <a:spLocks noGrp="1"/>
-          </p:cNvSpPr>
-          <p:nvPr>
-            <p:ph type="title"/>
-          </p:nvPr>
-        </p:nvSpPr>
-        <p:spPr/>
-        <p:txBody>
-          <a:bodyPr/>
-          <a:lstStyle/>
-          <a:p>
-            <a:r>
-              <a:rPr lang="pt-BR" dirty="0" smtClean="0"/>
-              <a:t>Técnicas utilizadas</a:t>
-            </a:r>
-            <a:endParaRPr lang="pt-BR" dirty="0"/>
-          </a:p>
-        </p:txBody>
-      </p:sp>
-      <p:sp>
-        <p:nvSpPr>
-          <p:cNvPr id="3" name="Espaço Reservado para Conteúdo 2"/>
-          <p:cNvSpPr>
-            <a:spLocks noGrp="1"/>
-          </p:cNvSpPr>
-          <p:nvPr>
-            <p:ph idx="1"/>
-          </p:nvPr>
-        </p:nvSpPr>
-        <p:spPr/>
-        <p:txBody>
-          <a:bodyPr/>
-          <a:lstStyle/>
-          <a:p>
-            <a:endParaRPr lang="pt-BR"/>
-          </a:p>
-        </p:txBody>
-      </p:sp>
-    </p:spTree>
-    <p:extLst>
-      <p:ext uri="{BB962C8B-B14F-4D97-AF65-F5344CB8AC3E}">
-        <p14:creationId xmlns:p14="http://schemas.microsoft.com/office/powerpoint/2010/main" val="3726796171"/>
-      </p:ext>
-    </p:extLst>
-  </p:cSld>
-  <p:clrMapOvr>
-    <a:masterClrMapping/>
-  </p:clrMapOvr>
-  <p:timing>
-    <p:tnLst>
-      <p:par>
-        <p:cTn id="1" dur="indefinite" restart="never" nodeType="tmRoot"/>
-      </p:par>
-    </p:tnLst>
-  </p:timing>
-</p:sld>
-</file>
-
-<file path=ppt/slides/slide7.xml><?xml version="1.0" encoding="utf-8"?>
 <p:sld xmlns:a="http://schemas.openxmlformats.org/drawingml/2006/main" xmlns:r="http://schemas.openxmlformats.org/officeDocument/2006/relationships" xmlns:p="http://schemas.openxmlformats.org/presentationml/2006/main">
   <p:cSld>
     <p:spTree>
@@ -8561,6 +8416,629 @@
     <p:extLst>
       <p:ext uri="{BB962C8B-B14F-4D97-AF65-F5344CB8AC3E}">
         <p14:creationId xmlns:p14="http://schemas.microsoft.com/office/powerpoint/2010/main" val="2555351078"/>
+      </p:ext>
+    </p:extLst>
+  </p:cSld>
+  <p:clrMapOvr>
+    <a:masterClrMapping/>
+  </p:clrMapOvr>
+  <p:timing>
+    <p:tnLst>
+      <p:par>
+        <p:cTn id="1" dur="indefinite" restart="never" nodeType="tmRoot"/>
+      </p:par>
+    </p:tnLst>
+  </p:timing>
+</p:sld>
+</file>
+
+<file path=ppt/slides/slide6.xml><?xml version="1.0" encoding="utf-8"?>
+<p:sld xmlns:a="http://schemas.openxmlformats.org/drawingml/2006/main" xmlns:r="http://schemas.openxmlformats.org/officeDocument/2006/relationships" xmlns:p="http://schemas.openxmlformats.org/presentationml/2006/main">
+  <p:cSld>
+    <p:spTree>
+      <p:nvGrpSpPr>
+        <p:cNvPr id="1" name=""/>
+        <p:cNvGrpSpPr/>
+        <p:nvPr/>
+      </p:nvGrpSpPr>
+      <p:grpSpPr>
+        <a:xfrm>
+          <a:off x="0" y="0"/>
+          <a:ext cx="0" cy="0"/>
+          <a:chOff x="0" y="0"/>
+          <a:chExt cx="0" cy="0"/>
+        </a:xfrm>
+      </p:grpSpPr>
+      <p:sp>
+        <p:nvSpPr>
+          <p:cNvPr id="2" name="Título 1"/>
+          <p:cNvSpPr>
+            <a:spLocks noGrp="1"/>
+          </p:cNvSpPr>
+          <p:nvPr>
+            <p:ph type="title"/>
+          </p:nvPr>
+        </p:nvSpPr>
+        <p:spPr/>
+        <p:txBody>
+          <a:bodyPr/>
+          <a:lstStyle/>
+          <a:p>
+            <a:r>
+              <a:rPr lang="pt-BR" dirty="0" smtClean="0"/>
+              <a:t>Técnicas utilizadas</a:t>
+            </a:r>
+            <a:endParaRPr lang="pt-BR" dirty="0"/>
+          </a:p>
+        </p:txBody>
+      </p:sp>
+      <p:sp>
+        <p:nvSpPr>
+          <p:cNvPr id="4" name="Espaço Reservado para Texto 3"/>
+          <p:cNvSpPr>
+            <a:spLocks noGrp="1"/>
+          </p:cNvSpPr>
+          <p:nvPr>
+            <p:ph type="body" idx="1"/>
+          </p:nvPr>
+        </p:nvSpPr>
+        <p:spPr>
+          <a:xfrm>
+            <a:off x="3419433" y="1035443"/>
+            <a:ext cx="3992732" cy="576262"/>
+          </a:xfrm>
+        </p:spPr>
+        <p:txBody>
+          <a:bodyPr/>
+          <a:lstStyle/>
+          <a:p>
+            <a:r>
+              <a:rPr lang="pt-BR" u="sng" dirty="0" smtClean="0"/>
+              <a:t>REGRAS</a:t>
+            </a:r>
+            <a:endParaRPr lang="pt-BR" u="sng" dirty="0"/>
+          </a:p>
+        </p:txBody>
+      </p:sp>
+      <p:sp>
+        <p:nvSpPr>
+          <p:cNvPr id="3" name="Espaço Reservado para Conteúdo 2"/>
+          <p:cNvSpPr>
+            <a:spLocks noGrp="1"/>
+          </p:cNvSpPr>
+          <p:nvPr>
+            <p:ph sz="half" idx="2"/>
+          </p:nvPr>
+        </p:nvSpPr>
+        <p:spPr>
+          <a:xfrm>
+            <a:off x="1606232" y="1961595"/>
+            <a:ext cx="4342893" cy="4896405"/>
+          </a:xfrm>
+        </p:spPr>
+        <p:txBody>
+          <a:bodyPr>
+            <a:noAutofit/>
+          </a:bodyPr>
+          <a:lstStyle/>
+          <a:p>
+            <a:r>
+              <a:rPr lang="pt-BR" sz="2400" dirty="0" err="1"/>
+              <a:t>p</a:t>
+            </a:r>
+            <a:r>
+              <a:rPr lang="pt-BR" sz="2400" dirty="0" err="1" smtClean="0"/>
+              <a:t>rogram</a:t>
+            </a:r>
+            <a:endParaRPr lang="pt-BR" sz="2400" dirty="0" smtClean="0"/>
+          </a:p>
+          <a:p>
+            <a:r>
+              <a:rPr lang="pt-BR" sz="2400" dirty="0" err="1"/>
+              <a:t>e</a:t>
+            </a:r>
+            <a:r>
+              <a:rPr lang="pt-BR" sz="2400" dirty="0" err="1" smtClean="0"/>
+              <a:t>lements</a:t>
+            </a:r>
+            <a:r>
+              <a:rPr lang="pt-BR" sz="2400" dirty="0" smtClean="0"/>
+              <a:t> (elemento+)</a:t>
+            </a:r>
+          </a:p>
+          <a:p>
+            <a:r>
+              <a:rPr lang="pt-BR" sz="2400" dirty="0" err="1" smtClean="0"/>
+              <a:t>functionDeclaration</a:t>
+            </a:r>
+            <a:endParaRPr lang="pt-BR" sz="2400" dirty="0" smtClean="0"/>
+          </a:p>
+          <a:p>
+            <a:r>
+              <a:rPr lang="pt-BR" sz="2400" dirty="0" err="1"/>
+              <a:t>f</a:t>
+            </a:r>
+            <a:r>
+              <a:rPr lang="pt-BR" sz="2400" dirty="0" err="1" smtClean="0"/>
+              <a:t>unctionParameterList</a:t>
+            </a:r>
+            <a:endParaRPr lang="pt-BR" sz="2400" dirty="0"/>
+          </a:p>
+          <a:p>
+            <a:r>
+              <a:rPr lang="pt-BR" sz="2400" dirty="0" err="1" smtClean="0"/>
+              <a:t>expression</a:t>
+            </a:r>
+            <a:endParaRPr lang="pt-BR" sz="2400" dirty="0" smtClean="0"/>
+          </a:p>
+          <a:p>
+            <a:r>
+              <a:rPr lang="pt-BR" sz="2400" dirty="0" err="1"/>
+              <a:t>s</a:t>
+            </a:r>
+            <a:r>
+              <a:rPr lang="pt-BR" sz="2400" dirty="0" err="1" smtClean="0"/>
+              <a:t>tatement</a:t>
+            </a:r>
+            <a:endParaRPr lang="pt-BR" sz="2400" dirty="0" smtClean="0"/>
+          </a:p>
+          <a:p>
+            <a:r>
+              <a:rPr lang="pt-BR" sz="2400" dirty="0" err="1" smtClean="0"/>
+              <a:t>ifStatement</a:t>
+            </a:r>
+            <a:endParaRPr lang="pt-BR" sz="2400" dirty="0" smtClean="0"/>
+          </a:p>
+          <a:p>
+            <a:r>
+              <a:rPr lang="pt-BR" sz="2400" dirty="0" err="1"/>
+              <a:t>i</a:t>
+            </a:r>
+            <a:r>
+              <a:rPr lang="pt-BR" sz="2400" dirty="0" err="1" smtClean="0"/>
+              <a:t>nteration</a:t>
+            </a:r>
+            <a:endParaRPr lang="pt-BR" sz="2400" dirty="0" smtClean="0"/>
+          </a:p>
+          <a:p>
+            <a:r>
+              <a:rPr lang="pt-BR" sz="2400" dirty="0" err="1" smtClean="0"/>
+              <a:t>array</a:t>
+            </a:r>
+            <a:endParaRPr lang="pt-BR" sz="2400" dirty="0" smtClean="0"/>
+          </a:p>
+          <a:p>
+            <a:r>
+              <a:rPr lang="pt-BR" sz="2400" dirty="0" smtClean="0"/>
+              <a:t>...</a:t>
+            </a:r>
+          </a:p>
+          <a:p>
+            <a:endParaRPr lang="pt-BR" sz="2400" dirty="0" smtClean="0"/>
+          </a:p>
+        </p:txBody>
+      </p:sp>
+      <p:sp>
+        <p:nvSpPr>
+          <p:cNvPr id="5" name="Espaço Reservado para Texto 4"/>
+          <p:cNvSpPr>
+            <a:spLocks noGrp="1"/>
+          </p:cNvSpPr>
+          <p:nvPr>
+            <p:ph type="body" sz="quarter" idx="3"/>
+          </p:nvPr>
+        </p:nvSpPr>
+        <p:spPr>
+          <a:xfrm>
+            <a:off x="8068202" y="1035443"/>
+            <a:ext cx="1317331" cy="576262"/>
+          </a:xfrm>
+        </p:spPr>
+        <p:txBody>
+          <a:bodyPr/>
+          <a:lstStyle/>
+          <a:p>
+            <a:r>
+              <a:rPr lang="pt-BR" u="sng" dirty="0" smtClean="0"/>
+              <a:t>TOKENS</a:t>
+            </a:r>
+            <a:endParaRPr lang="pt-BR" u="sng" dirty="0"/>
+          </a:p>
+        </p:txBody>
+      </p:sp>
+      <p:sp>
+        <p:nvSpPr>
+          <p:cNvPr id="6" name="Espaço Reservado para Conteúdo 5"/>
+          <p:cNvSpPr>
+            <a:spLocks noGrp="1"/>
+          </p:cNvSpPr>
+          <p:nvPr>
+            <p:ph sz="quarter" idx="4"/>
+          </p:nvPr>
+        </p:nvSpPr>
+        <p:spPr>
+          <a:xfrm>
+            <a:off x="7165937" y="1961594"/>
+            <a:ext cx="4338674" cy="4896405"/>
+          </a:xfrm>
+        </p:spPr>
+        <p:txBody>
+          <a:bodyPr>
+            <a:noAutofit/>
+          </a:bodyPr>
+          <a:lstStyle/>
+          <a:p>
+            <a:r>
+              <a:rPr lang="pt-BR" sz="2400" dirty="0" err="1" smtClean="0"/>
+              <a:t>LessThan</a:t>
+            </a:r>
+            <a:endParaRPr lang="pt-BR" sz="2400" dirty="0" smtClean="0"/>
+          </a:p>
+          <a:p>
+            <a:r>
+              <a:rPr lang="pt-BR" sz="2400" dirty="0" err="1" smtClean="0"/>
+              <a:t>GraterThan</a:t>
+            </a:r>
+            <a:endParaRPr lang="pt-BR" sz="2400" dirty="0" smtClean="0"/>
+          </a:p>
+          <a:p>
+            <a:r>
+              <a:rPr lang="pt-BR" sz="2400" dirty="0" err="1" smtClean="0"/>
+              <a:t>LessThanEquals</a:t>
+            </a:r>
+            <a:endParaRPr lang="pt-BR" sz="2400" dirty="0" smtClean="0"/>
+          </a:p>
+          <a:p>
+            <a:r>
+              <a:rPr lang="pt-BR" sz="2400" dirty="0" err="1" smtClean="0"/>
+              <a:t>GraterThanEquals</a:t>
+            </a:r>
+            <a:endParaRPr lang="pt-BR" sz="2400" dirty="0" smtClean="0"/>
+          </a:p>
+          <a:p>
+            <a:r>
+              <a:rPr lang="pt-BR" sz="2400" dirty="0" smtClean="0"/>
+              <a:t>Plus</a:t>
+            </a:r>
+          </a:p>
+          <a:p>
+            <a:r>
+              <a:rPr lang="pt-BR" sz="2400" dirty="0" err="1" smtClean="0"/>
+              <a:t>Minus</a:t>
+            </a:r>
+            <a:endParaRPr lang="pt-BR" sz="2400" dirty="0" smtClean="0"/>
+          </a:p>
+          <a:p>
+            <a:r>
+              <a:rPr lang="pt-BR" sz="2400" dirty="0" err="1" smtClean="0"/>
+              <a:t>While</a:t>
+            </a:r>
+            <a:endParaRPr lang="pt-BR" sz="2400" dirty="0" smtClean="0"/>
+          </a:p>
+          <a:p>
+            <a:r>
+              <a:rPr lang="pt-BR" sz="2400" dirty="0" err="1" smtClean="0"/>
+              <a:t>If</a:t>
+            </a:r>
+            <a:endParaRPr lang="pt-BR" sz="2400" dirty="0" smtClean="0"/>
+          </a:p>
+          <a:p>
+            <a:r>
+              <a:rPr lang="pt-BR" sz="2400" dirty="0" smtClean="0"/>
+              <a:t>Var</a:t>
+            </a:r>
+          </a:p>
+          <a:p>
+            <a:r>
+              <a:rPr lang="pt-BR" sz="2400" dirty="0" smtClean="0"/>
+              <a:t>...</a:t>
+            </a:r>
+          </a:p>
+        </p:txBody>
+      </p:sp>
+    </p:spTree>
+    <p:extLst>
+      <p:ext uri="{BB962C8B-B14F-4D97-AF65-F5344CB8AC3E}">
+        <p14:creationId xmlns:p14="http://schemas.microsoft.com/office/powerpoint/2010/main" val="1221232612"/>
+      </p:ext>
+    </p:extLst>
+  </p:cSld>
+  <p:clrMapOvr>
+    <a:masterClrMapping/>
+  </p:clrMapOvr>
+  <p:timing>
+    <p:tnLst>
+      <p:par>
+        <p:cTn id="1" dur="indefinite" restart="never" nodeType="tmRoot"/>
+      </p:par>
+    </p:tnLst>
+  </p:timing>
+</p:sld>
+</file>
+
+<file path=ppt/slides/slide7.xml><?xml version="1.0" encoding="utf-8"?>
+<p:sld xmlns:a="http://schemas.openxmlformats.org/drawingml/2006/main" xmlns:r="http://schemas.openxmlformats.org/officeDocument/2006/relationships" xmlns:p="http://schemas.openxmlformats.org/presentationml/2006/main">
+  <p:cSld>
+    <p:spTree>
+      <p:nvGrpSpPr>
+        <p:cNvPr id="1" name=""/>
+        <p:cNvGrpSpPr/>
+        <p:nvPr/>
+      </p:nvGrpSpPr>
+      <p:grpSpPr>
+        <a:xfrm>
+          <a:off x="0" y="0"/>
+          <a:ext cx="0" cy="0"/>
+          <a:chOff x="0" y="0"/>
+          <a:chExt cx="0" cy="0"/>
+        </a:xfrm>
+      </p:grpSpPr>
+      <p:sp>
+        <p:nvSpPr>
+          <p:cNvPr id="2" name="Título 1"/>
+          <p:cNvSpPr>
+            <a:spLocks noGrp="1"/>
+          </p:cNvSpPr>
+          <p:nvPr>
+            <p:ph type="title"/>
+          </p:nvPr>
+        </p:nvSpPr>
+        <p:spPr/>
+        <p:txBody>
+          <a:bodyPr/>
+          <a:lstStyle/>
+          <a:p>
+            <a:r>
+              <a:rPr lang="pt-BR" dirty="0" smtClean="0"/>
+              <a:t>Técnicas utilizadas</a:t>
+            </a:r>
+            <a:endParaRPr lang="pt-BR" dirty="0"/>
+          </a:p>
+        </p:txBody>
+      </p:sp>
+      <p:sp>
+        <p:nvSpPr>
+          <p:cNvPr id="3" name="Espaço Reservado para Conteúdo 2"/>
+          <p:cNvSpPr>
+            <a:spLocks noGrp="1"/>
+          </p:cNvSpPr>
+          <p:nvPr>
+            <p:ph idx="1"/>
+          </p:nvPr>
+        </p:nvSpPr>
+        <p:spPr>
+          <a:xfrm>
+            <a:off x="218364" y="1241945"/>
+            <a:ext cx="11778018" cy="5431809"/>
+          </a:xfrm>
+        </p:spPr>
+        <p:txBody>
+          <a:bodyPr>
+            <a:noAutofit/>
+          </a:bodyPr>
+          <a:lstStyle/>
+          <a:p>
+            <a:pPr lvl="1"/>
+            <a:r>
+              <a:rPr lang="pt-BR" sz="2000" dirty="0" smtClean="0"/>
+              <a:t>Definir </a:t>
+            </a:r>
+            <a:r>
+              <a:rPr lang="pt-BR" sz="2000" dirty="0"/>
+              <a:t>espaçamento na </a:t>
+            </a:r>
+            <a:r>
+              <a:rPr lang="pt-BR" sz="2000" dirty="0" smtClean="0"/>
+              <a:t>atribuição</a:t>
+            </a:r>
+            <a:r>
+              <a:rPr lang="pt-BR" sz="2000" dirty="0"/>
+              <a:t>:</a:t>
+            </a:r>
+            <a:endParaRPr lang="pt-BR" sz="2000" dirty="0" smtClean="0"/>
+          </a:p>
+          <a:p>
+            <a:pPr lvl="3"/>
+            <a:r>
+              <a:rPr lang="pt-BR" sz="1800" dirty="0" smtClean="0"/>
+              <a:t>Utilização de biblioteca INDENT/DEDENT;</a:t>
+            </a:r>
+            <a:endParaRPr lang="pt-BR" sz="1800" dirty="0"/>
+          </a:p>
+          <a:p>
+            <a:pPr lvl="1"/>
+            <a:r>
+              <a:rPr lang="pt-BR" sz="2000" dirty="0"/>
+              <a:t>Definição de sintaxe de declaração de </a:t>
+            </a:r>
+            <a:r>
+              <a:rPr lang="pt-BR" sz="2000" dirty="0" err="1" smtClean="0"/>
+              <a:t>string</a:t>
+            </a:r>
+            <a:r>
+              <a:rPr lang="pt-BR" sz="2000" dirty="0" smtClean="0"/>
+              <a:t>:</a:t>
+            </a:r>
+          </a:p>
+          <a:p>
+            <a:pPr lvl="3"/>
+            <a:r>
+              <a:rPr lang="pt-BR" sz="1800" dirty="0" smtClean="0"/>
+              <a:t>Regras “</a:t>
+            </a:r>
+            <a:r>
+              <a:rPr lang="pt-BR" sz="1800" dirty="0" err="1" smtClean="0"/>
+              <a:t>String</a:t>
+            </a:r>
+            <a:r>
+              <a:rPr lang="pt-BR" sz="1800" dirty="0" smtClean="0"/>
+              <a:t>” e “</a:t>
+            </a:r>
+            <a:r>
+              <a:rPr lang="pt-BR" sz="1800" dirty="0" err="1" smtClean="0"/>
+              <a:t>fragment</a:t>
+            </a:r>
+            <a:r>
+              <a:rPr lang="pt-BR" sz="1800" dirty="0" smtClean="0"/>
+              <a:t> </a:t>
+            </a:r>
+            <a:r>
+              <a:rPr lang="pt-BR" sz="1800" dirty="0" err="1" smtClean="0"/>
+              <a:t>StringCharacter</a:t>
+            </a:r>
+            <a:r>
+              <a:rPr lang="pt-BR" sz="1800" dirty="0" smtClean="0"/>
+              <a:t>”</a:t>
+            </a:r>
+            <a:endParaRPr lang="pt-BR" sz="1800" dirty="0"/>
+          </a:p>
+          <a:p>
+            <a:pPr lvl="1"/>
+            <a:r>
+              <a:rPr lang="pt-BR" sz="2000" dirty="0"/>
+              <a:t>Definir como o código deve ser </a:t>
+            </a:r>
+            <a:r>
+              <a:rPr lang="pt-BR" sz="2000" dirty="0" smtClean="0"/>
+              <a:t>formatado:</a:t>
+            </a:r>
+          </a:p>
+          <a:p>
+            <a:pPr lvl="3"/>
+            <a:r>
+              <a:rPr lang="pt-BR" sz="1800" dirty="0" smtClean="0"/>
+              <a:t>Um exemplo é a regra “</a:t>
+            </a:r>
+            <a:r>
+              <a:rPr lang="pt-BR" sz="1800" dirty="0" err="1" smtClean="0"/>
+              <a:t>ifStatement</a:t>
+            </a:r>
+            <a:r>
+              <a:rPr lang="pt-BR" sz="1800" dirty="0"/>
+              <a:t>” : </a:t>
+            </a:r>
+            <a:r>
+              <a:rPr lang="pt-BR" sz="1800" dirty="0" smtClean="0"/>
+              <a:t> </a:t>
+            </a:r>
+            <a:r>
+              <a:rPr lang="pt-BR" b="1" dirty="0" err="1"/>
+              <a:t>If</a:t>
+            </a:r>
+            <a:r>
+              <a:rPr lang="pt-BR" b="1" dirty="0"/>
+              <a:t> '(' </a:t>
+            </a:r>
+            <a:r>
+              <a:rPr lang="pt-BR" b="1" dirty="0" err="1"/>
+              <a:t>expression</a:t>
+            </a:r>
+            <a:r>
+              <a:rPr lang="pt-BR" b="1" dirty="0"/>
+              <a:t> ')' Space '{' INDENT </a:t>
+            </a:r>
+            <a:r>
+              <a:rPr lang="pt-BR" b="1" dirty="0" err="1"/>
+              <a:t>elements</a:t>
+            </a:r>
+            <a:r>
+              <a:rPr lang="pt-BR" b="1" dirty="0"/>
+              <a:t>? DEDENT '}'</a:t>
+            </a:r>
+          </a:p>
+          <a:p>
+            <a:pPr lvl="1"/>
+            <a:r>
+              <a:rPr lang="pt-BR" sz="2000" dirty="0"/>
+              <a:t>Obrigatoriedade que as linhas de comando terminal em </a:t>
+            </a:r>
+            <a:r>
+              <a:rPr lang="pt-BR" sz="2000" dirty="0" smtClean="0"/>
+              <a:t>";“:</a:t>
+            </a:r>
+          </a:p>
+          <a:p>
+            <a:pPr lvl="3"/>
+            <a:r>
+              <a:rPr lang="pt-BR" sz="1800" dirty="0"/>
+              <a:t>Exemplo: </a:t>
+            </a:r>
+            <a:r>
+              <a:rPr lang="pt-BR" sz="1800" dirty="0" smtClean="0"/>
+              <a:t>“</a:t>
+            </a:r>
+            <a:r>
+              <a:rPr lang="pt-BR" sz="1800" dirty="0" err="1" smtClean="0"/>
+              <a:t>breakStatement</a:t>
+            </a:r>
+            <a:r>
+              <a:rPr lang="pt-BR" sz="1800" dirty="0" smtClean="0"/>
+              <a:t>” : </a:t>
+            </a:r>
+            <a:r>
+              <a:rPr lang="pt-BR" sz="1800" b="1" dirty="0" smtClean="0"/>
+              <a:t>Break </a:t>
+            </a:r>
+            <a:r>
+              <a:rPr lang="pt-BR" sz="1800" b="1" dirty="0"/>
+              <a:t>';'</a:t>
+            </a:r>
+          </a:p>
+          <a:p>
+            <a:pPr lvl="1"/>
+            <a:r>
+              <a:rPr lang="pt-BR" sz="2000" dirty="0"/>
+              <a:t>Detecção de variáveis declaradas e não </a:t>
+            </a:r>
+            <a:r>
+              <a:rPr lang="pt-BR" sz="2000" dirty="0" smtClean="0"/>
+              <a:t>utilizadas:</a:t>
+            </a:r>
+          </a:p>
+          <a:p>
+            <a:pPr lvl="3"/>
+            <a:r>
+              <a:rPr lang="pt-BR" sz="1800" dirty="0" smtClean="0"/>
+              <a:t>Desenvolvimento de uma tabela de símbolos.</a:t>
+            </a:r>
+            <a:endParaRPr lang="pt-BR" sz="1800" dirty="0"/>
+          </a:p>
+          <a:p>
+            <a:pPr lvl="1"/>
+            <a:r>
+              <a:rPr lang="pt-BR" sz="2000" dirty="0"/>
+              <a:t>Métodos que não são </a:t>
+            </a:r>
+            <a:r>
+              <a:rPr lang="pt-BR" sz="2000" dirty="0" smtClean="0"/>
+              <a:t>chamados:</a:t>
+            </a:r>
+          </a:p>
+          <a:p>
+            <a:pPr lvl="3"/>
+            <a:r>
+              <a:rPr lang="pt-BR" sz="1800" dirty="0"/>
+              <a:t>Desenvolvimento de uma tabela de símbolos</a:t>
+            </a:r>
+            <a:r>
+              <a:rPr lang="pt-BR" sz="1800" dirty="0" smtClean="0"/>
+              <a:t>.</a:t>
+            </a:r>
+          </a:p>
+          <a:p>
+            <a:pPr lvl="1"/>
+            <a:r>
+              <a:rPr lang="pt-BR" sz="2200" dirty="0" smtClean="0"/>
+              <a:t>Definição de escopo;</a:t>
+            </a:r>
+            <a:endParaRPr lang="pt-BR" sz="2200" dirty="0"/>
+          </a:p>
+        </p:txBody>
+      </p:sp>
+    </p:spTree>
+    <p:extLst>
+      <p:ext uri="{BB962C8B-B14F-4D97-AF65-F5344CB8AC3E}">
+        <p14:creationId xmlns:p14="http://schemas.microsoft.com/office/powerpoint/2010/main" val="3726796171"/>
       </p:ext>
     </p:extLst>
   </p:cSld>
